--- a/doc/user_manual/images/workflow/workflow.pptx
+++ b/doc/user_manual/images/workflow/workflow.pptx
@@ -208,7 +208,7 @@
           <a:p>
             <a:fld id="{E61F3277-4CCB-4D43-BAC1-37AC883EB584}" type="datetimeFigureOut">
               <a:rPr lang="fr-FR" smtClean="0"/>
-              <a:t>03/03/2022</a:t>
+              <a:t>04/03/2022</a:t>
             </a:fld>
             <a:endParaRPr lang="fr-FR"/>
           </a:p>
@@ -741,7 +741,7 @@
           <a:p>
             <a:fld id="{BBB401EE-740F-4031-A9F5-271D47C6AA99}" type="datetimeFigureOut">
               <a:rPr lang="fr-FR" smtClean="0"/>
-              <a:t>03/03/2022</a:t>
+              <a:t>04/03/2022</a:t>
             </a:fld>
             <a:endParaRPr lang="fr-FR"/>
           </a:p>
@@ -911,7 +911,7 @@
           <a:p>
             <a:fld id="{BBB401EE-740F-4031-A9F5-271D47C6AA99}" type="datetimeFigureOut">
               <a:rPr lang="fr-FR" smtClean="0"/>
-              <a:t>03/03/2022</a:t>
+              <a:t>04/03/2022</a:t>
             </a:fld>
             <a:endParaRPr lang="fr-FR"/>
           </a:p>
@@ -1091,7 +1091,7 @@
           <a:p>
             <a:fld id="{BBB401EE-740F-4031-A9F5-271D47C6AA99}" type="datetimeFigureOut">
               <a:rPr lang="fr-FR" smtClean="0"/>
-              <a:t>03/03/2022</a:t>
+              <a:t>04/03/2022</a:t>
             </a:fld>
             <a:endParaRPr lang="fr-FR"/>
           </a:p>
@@ -1261,7 +1261,7 @@
           <a:p>
             <a:fld id="{BBB401EE-740F-4031-A9F5-271D47C6AA99}" type="datetimeFigureOut">
               <a:rPr lang="fr-FR" smtClean="0"/>
-              <a:t>03/03/2022</a:t>
+              <a:t>04/03/2022</a:t>
             </a:fld>
             <a:endParaRPr lang="fr-FR"/>
           </a:p>
@@ -1507,7 +1507,7 @@
           <a:p>
             <a:fld id="{BBB401EE-740F-4031-A9F5-271D47C6AA99}" type="datetimeFigureOut">
               <a:rPr lang="fr-FR" smtClean="0"/>
-              <a:t>03/03/2022</a:t>
+              <a:t>04/03/2022</a:t>
             </a:fld>
             <a:endParaRPr lang="fr-FR"/>
           </a:p>
@@ -1795,7 +1795,7 @@
           <a:p>
             <a:fld id="{BBB401EE-740F-4031-A9F5-271D47C6AA99}" type="datetimeFigureOut">
               <a:rPr lang="fr-FR" smtClean="0"/>
-              <a:t>03/03/2022</a:t>
+              <a:t>04/03/2022</a:t>
             </a:fld>
             <a:endParaRPr lang="fr-FR"/>
           </a:p>
@@ -2217,7 +2217,7 @@
           <a:p>
             <a:fld id="{BBB401EE-740F-4031-A9F5-271D47C6AA99}" type="datetimeFigureOut">
               <a:rPr lang="fr-FR" smtClean="0"/>
-              <a:t>03/03/2022</a:t>
+              <a:t>04/03/2022</a:t>
             </a:fld>
             <a:endParaRPr lang="fr-FR"/>
           </a:p>
@@ -2335,7 +2335,7 @@
           <a:p>
             <a:fld id="{BBB401EE-740F-4031-A9F5-271D47C6AA99}" type="datetimeFigureOut">
               <a:rPr lang="fr-FR" smtClean="0"/>
-              <a:t>03/03/2022</a:t>
+              <a:t>04/03/2022</a:t>
             </a:fld>
             <a:endParaRPr lang="fr-FR"/>
           </a:p>
@@ -2430,7 +2430,7 @@
           <a:p>
             <a:fld id="{BBB401EE-740F-4031-A9F5-271D47C6AA99}" type="datetimeFigureOut">
               <a:rPr lang="fr-FR" smtClean="0"/>
-              <a:t>03/03/2022</a:t>
+              <a:t>04/03/2022</a:t>
             </a:fld>
             <a:endParaRPr lang="fr-FR"/>
           </a:p>
@@ -2707,7 +2707,7 @@
           <a:p>
             <a:fld id="{BBB401EE-740F-4031-A9F5-271D47C6AA99}" type="datetimeFigureOut">
               <a:rPr lang="fr-FR" smtClean="0"/>
-              <a:t>03/03/2022</a:t>
+              <a:t>04/03/2022</a:t>
             </a:fld>
             <a:endParaRPr lang="fr-FR"/>
           </a:p>
@@ -2960,7 +2960,7 @@
           <a:p>
             <a:fld id="{BBB401EE-740F-4031-A9F5-271D47C6AA99}" type="datetimeFigureOut">
               <a:rPr lang="fr-FR" smtClean="0"/>
-              <a:t>03/03/2022</a:t>
+              <a:t>04/03/2022</a:t>
             </a:fld>
             <a:endParaRPr lang="fr-FR"/>
           </a:p>
@@ -3173,7 +3173,7 @@
           <a:p>
             <a:fld id="{BBB401EE-740F-4031-A9F5-271D47C6AA99}" type="datetimeFigureOut">
               <a:rPr lang="fr-FR" smtClean="0"/>
-              <a:t>03/03/2022</a:t>
+              <a:t>04/03/2022</a:t>
             </a:fld>
             <a:endParaRPr lang="fr-FR"/>
           </a:p>
@@ -3557,9 +3557,9 @@
         <p:grpSpPr>
           <a:xfrm>
             <a:off x="611560" y="332656"/>
-            <a:ext cx="6624736" cy="3222471"/>
+            <a:ext cx="6696744" cy="3319878"/>
             <a:chOff x="1466426" y="2204864"/>
-            <a:chExt cx="6163083" cy="3222471"/>
+            <a:chExt cx="6163083" cy="3319878"/>
           </a:xfrm>
         </p:grpSpPr>
         <p:sp>
@@ -3996,8 +3996,10 @@
                     <a:srgbClr val="7030A0"/>
                   </a:solidFill>
                 </a:rPr>
-                <a:t>, </a:t>
+                <a:t>,</a:t>
               </a:r>
+            </a:p>
+            <a:p>
               <a:r>
                 <a:rPr lang="fr-FR" sz="1200" b="0" dirty="0" err="1" smtClean="0">
                   <a:solidFill>
@@ -4012,23 +4014,7 @@
                     <a:srgbClr val="7030A0"/>
                   </a:solidFill>
                 </a:rPr>
-                <a:t> transformation, </a:t>
-              </a:r>
-              <a:r>
-                <a:rPr lang="fr-FR" sz="1200" b="0" dirty="0" err="1" smtClean="0">
-                  <a:solidFill>
-                    <a:srgbClr val="7030A0"/>
-                  </a:solidFill>
-                </a:rPr>
-                <a:t>wall</a:t>
-              </a:r>
-              <a:r>
-                <a:rPr lang="fr-FR" sz="1200" b="0" dirty="0" smtClean="0">
-                  <a:solidFill>
-                    <a:srgbClr val="7030A0"/>
-                  </a:solidFill>
-                </a:rPr>
-                <a:t> distance…</a:t>
+                <a:t> transformations…</a:t>
               </a:r>
               <a:endParaRPr lang="fr-FR" sz="1400" b="0" dirty="0">
                 <a:solidFill>
@@ -4047,7 +4033,7 @@
           <p:spPr>
             <a:xfrm>
               <a:off x="5621808" y="4816856"/>
-              <a:ext cx="1903728" cy="523220"/>
+              <a:ext cx="1883258" cy="707886"/>
             </a:xfrm>
             <a:prstGeom prst="rect">
               <a:avLst/>
@@ -4105,7 +4091,46 @@
                     <a:srgbClr val="7030A0"/>
                   </a:solidFill>
                 </a:rPr>
-                <a:t>, HPC </a:t>
+                <a:t>, </a:t>
+              </a:r>
+              <a:r>
+                <a:rPr lang="fr-FR" sz="1200" dirty="0" err="1">
+                  <a:solidFill>
+                    <a:srgbClr val="7030A0"/>
+                  </a:solidFill>
+                </a:rPr>
+                <a:t>wall</a:t>
+              </a:r>
+              <a:r>
+                <a:rPr lang="fr-FR" sz="1200" dirty="0">
+                  <a:solidFill>
+                    <a:srgbClr val="7030A0"/>
+                  </a:solidFill>
+                </a:rPr>
+                <a:t> </a:t>
+              </a:r>
+              <a:r>
+                <a:rPr lang="fr-FR" sz="1200" dirty="0" smtClean="0">
+                  <a:solidFill>
+                    <a:srgbClr val="7030A0"/>
+                  </a:solidFill>
+                </a:rPr>
+                <a:t>distances,</a:t>
+              </a:r>
+              <a:endParaRPr lang="fr-FR" sz="1400" dirty="0">
+                <a:solidFill>
+                  <a:srgbClr val="7030A0"/>
+                </a:solidFill>
+              </a:endParaRPr>
+            </a:p>
+            <a:p>
+              <a:r>
+                <a:rPr lang="fr-FR" sz="1200" dirty="0" smtClean="0">
+                  <a:solidFill>
+                    <a:srgbClr val="7030A0"/>
+                  </a:solidFill>
+                </a:rPr>
+                <a:t>HPC </a:t>
               </a:r>
               <a:r>
                 <a:rPr lang="fr-FR" sz="1200" dirty="0" err="1" smtClean="0">
